--- a/Final_Report/Mystery_Solver final presentation.pptx
+++ b/Final_Report/Mystery_Solver final presentation.pptx
@@ -214,7 +214,7 @@
           <a:p>
             <a:fld id="{1DDD03A7-4853-44F0-8783-EB16766E7B14}" type="datetimeFigureOut">
               <a:rPr lang="en-US" smtClean="0"/>
-              <a:t>8/17/2025</a:t>
+              <a:t>8/18/2025</a:t>
             </a:fld>
             <a:endParaRPr lang="en-US"/>
           </a:p>
@@ -816,7 +816,7 @@
           <a:p>
             <a:fld id="{9179C1DD-3393-455C-85FA-C1488F746744}" type="datetime1">
               <a:rPr lang="en-US" smtClean="0"/>
-              <a:t>8/17/2025</a:t>
+              <a:t>8/18/2025</a:t>
             </a:fld>
             <a:endParaRPr lang="en-US"/>
           </a:p>
@@ -1907,7 +1907,7 @@
           <a:p>
             <a:fld id="{930E7511-260F-4D43-A1EB-8A994257070C}" type="datetime1">
               <a:rPr lang="en-US" smtClean="0"/>
-              <a:t>8/17/2025</a:t>
+              <a:t>8/18/2025</a:t>
             </a:fld>
             <a:endParaRPr lang="en-US"/>
           </a:p>
@@ -2890,7 +2890,7 @@
           <a:p>
             <a:fld id="{4897CFE2-52F2-4ADE-BA38-D524A8BFB898}" type="datetime1">
               <a:rPr lang="en-US" smtClean="0"/>
-              <a:t>8/17/2025</a:t>
+              <a:t>8/18/2025</a:t>
             </a:fld>
             <a:endParaRPr lang="en-US"/>
           </a:p>
@@ -4027,7 +4027,7 @@
           <a:p>
             <a:fld id="{53593BF6-C19D-4026-9EF5-1840D55EB1D3}" type="datetime1">
               <a:rPr lang="en-US" smtClean="0"/>
-              <a:t>8/17/2025</a:t>
+              <a:t>8/18/2025</a:t>
             </a:fld>
             <a:endParaRPr lang="en-US"/>
           </a:p>
@@ -5063,7 +5063,7 @@
           <a:p>
             <a:fld id="{2F08839B-BE93-4440-A054-8364E0EEBFE0}" type="datetime1">
               <a:rPr lang="en-US" smtClean="0"/>
-              <a:t>8/17/2025</a:t>
+              <a:t>8/18/2025</a:t>
             </a:fld>
             <a:endParaRPr lang="en-US"/>
           </a:p>
@@ -5726,7 +5726,7 @@
           <a:p>
             <a:fld id="{7290F489-CE32-490E-8D1B-C4DA34679FB7}" type="datetime1">
               <a:rPr lang="en-US" smtClean="0"/>
-              <a:t>8/17/2025</a:t>
+              <a:t>8/18/2025</a:t>
             </a:fld>
             <a:endParaRPr lang="en-US"/>
           </a:p>
@@ -6590,7 +6590,7 @@
           <a:p>
             <a:fld id="{14AB7A5A-1FCA-4EE1-992D-01020AD15EB2}" type="datetime1">
               <a:rPr lang="en-US" smtClean="0"/>
-              <a:t>8/17/2025</a:t>
+              <a:t>8/18/2025</a:t>
             </a:fld>
             <a:endParaRPr lang="en-US"/>
           </a:p>
@@ -6783,7 +6783,7 @@
           <a:p>
             <a:fld id="{1C815D98-946D-4463-BDF6-3EFE803279EA}" type="datetime1">
               <a:rPr lang="en-US" smtClean="0"/>
-              <a:t>8/17/2025</a:t>
+              <a:t>8/18/2025</a:t>
             </a:fld>
             <a:endParaRPr lang="en-US"/>
           </a:p>
@@ -7758,7 +7758,7 @@
           <a:p>
             <a:fld id="{16F40F02-E93D-46B6-BFA5-C7DDA1AED517}" type="datetime1">
               <a:rPr lang="en-US" smtClean="0"/>
-              <a:t>8/17/2025</a:t>
+              <a:t>8/18/2025</a:t>
             </a:fld>
             <a:endParaRPr lang="en-US"/>
           </a:p>
@@ -7972,7 +7972,7 @@
           <a:p>
             <a:fld id="{E17BE08F-0FE6-4C22-9CB8-E5E67A601F4D}" type="datetime1">
               <a:rPr lang="en-US" smtClean="0"/>
-              <a:t>8/17/2025</a:t>
+              <a:t>8/18/2025</a:t>
             </a:fld>
             <a:endParaRPr lang="en-US"/>
           </a:p>
@@ -9009,7 +9009,7 @@
           <a:p>
             <a:fld id="{D9D9D5DE-36A0-4E38-8BD9-87A93D19AB53}" type="datetime1">
               <a:rPr lang="en-US" smtClean="0"/>
-              <a:t>8/17/2025</a:t>
+              <a:t>8/18/2025</a:t>
             </a:fld>
             <a:endParaRPr lang="en-US"/>
           </a:p>
@@ -9284,7 +9284,7 @@
           <a:p>
             <a:fld id="{790D3E40-CDDC-4BFC-A4C2-0EA5D7FF7521}" type="datetime1">
               <a:rPr lang="en-US" smtClean="0"/>
-              <a:t>8/17/2025</a:t>
+              <a:t>8/18/2025</a:t>
             </a:fld>
             <a:endParaRPr lang="en-US"/>
           </a:p>
@@ -9697,7 +9697,7 @@
           <a:p>
             <a:fld id="{52C23FF1-D425-4CE8-910A-0B95712A9199}" type="datetime1">
               <a:rPr lang="en-US" smtClean="0"/>
-              <a:t>8/17/2025</a:t>
+              <a:t>8/18/2025</a:t>
             </a:fld>
             <a:endParaRPr lang="en-US"/>
           </a:p>
@@ -9827,7 +9827,7 @@
           <a:p>
             <a:fld id="{C83449E1-768A-4B24-B029-A0511647AD76}" type="datetime1">
               <a:rPr lang="en-US" smtClean="0"/>
-              <a:t>8/17/2025</a:t>
+              <a:t>8/18/2025</a:t>
             </a:fld>
             <a:endParaRPr lang="en-US"/>
           </a:p>
@@ -9925,7 +9925,7 @@
           <a:p>
             <a:fld id="{1C179D6C-0FE2-4755-8A12-465594425B55}" type="datetime1">
               <a:rPr lang="en-US" smtClean="0"/>
-              <a:t>8/17/2025</a:t>
+              <a:t>8/18/2025</a:t>
             </a:fld>
             <a:endParaRPr lang="en-US"/>
           </a:p>
@@ -11009,7 +11009,7 @@
           <a:p>
             <a:fld id="{8E53B208-62CD-410B-8FB8-8A99713EF045}" type="datetime1">
               <a:rPr lang="en-US" smtClean="0"/>
-              <a:t>8/17/2025</a:t>
+              <a:t>8/18/2025</a:t>
             </a:fld>
             <a:endParaRPr lang="en-US"/>
           </a:p>
@@ -12120,7 +12120,7 @@
           <a:p>
             <a:fld id="{731BD1EB-E025-448E-968F-6E6C749B63D6}" type="datetime1">
               <a:rPr lang="en-US" smtClean="0"/>
-              <a:t>8/17/2025</a:t>
+              <a:t>8/18/2025</a:t>
             </a:fld>
             <a:endParaRPr lang="en-US"/>
           </a:p>
@@ -13120,7 +13120,7 @@
           <a:p>
             <a:fld id="{08F9B925-2380-430E-9FF4-0B2E87860570}" type="datetime1">
               <a:rPr lang="en-US" smtClean="0"/>
-              <a:t>8/17/2025</a:t>
+              <a:t>8/18/2025</a:t>
             </a:fld>
             <a:endParaRPr lang="en-US"/>
           </a:p>
@@ -15848,7 +15848,7 @@
             <p:ph idx="1"/>
             <p:extLst>
               <p:ext uri="{D42A27DB-BD31-4B8C-83A1-F6EECF244321}">
-                <p14:modId xmlns:p14="http://schemas.microsoft.com/office/powerpoint/2010/main" val="4138274813"/>
+                <p14:modId xmlns:p14="http://schemas.microsoft.com/office/powerpoint/2010/main" val="4133959271"/>
               </p:ext>
             </p:extLst>
           </p:nvPr>
@@ -16113,40 +16113,17 @@
                         <a:defRPr/>
                       </a:pPr>
                       <a:r>
-                        <a:rPr lang="en-GB" sz="1800" kern="1200" dirty="0" err="1">
+                        <a:rPr lang="en-US" sz="1800" b="0" i="0" kern="1200" dirty="0">
                           <a:solidFill>
-                            <a:schemeClr val="dk1"/>
+                            <a:schemeClr val="tx1"/>
                           </a:solidFill>
+                          <a:effectLst/>
                           <a:latin typeface="+mn-lt"/>
                           <a:ea typeface="+mn-ea"/>
                           <a:cs typeface="+mn-cs"/>
-                          <a:sym typeface="Arial"/>
                         </a:rPr>
-                        <a:t>Hridy</a:t>
+                        <a:t>Myesha Tabassum</a:t>
                       </a:r>
-                      <a:r>
-                        <a:rPr lang="en-GB" sz="1800" kern="1200" dirty="0">
-                          <a:solidFill>
-                            <a:schemeClr val="dk1"/>
-                          </a:solidFill>
-                          <a:latin typeface="+mn-lt"/>
-                          <a:ea typeface="+mn-ea"/>
-                          <a:cs typeface="+mn-cs"/>
-                          <a:sym typeface="Arial"/>
-                        </a:rPr>
-                        <a:t> Chowdhury</a:t>
-                      </a:r>
-                      <a:endParaRPr lang="en-BD" sz="1800" kern="1200" dirty="0">
-                        <a:solidFill>
-                          <a:schemeClr val="dk1"/>
-                        </a:solidFill>
-                        <a:latin typeface="+mn-lt"/>
-                        <a:ea typeface="+mn-ea"/>
-                        <a:cs typeface="+mn-cs"/>
-                      </a:endParaRPr>
-                    </a:p>
-                    <a:p>
-                      <a:pPr algn="ctr"/>
                       <a:endParaRPr lang="en-US" dirty="0"/>
                     </a:p>
                   </a:txBody>
@@ -16187,7 +16164,7 @@
                         <a:t> </a:t>
                       </a:r>
                       <a:r>
-                        <a:rPr lang="en-US" sz="1800" b="0" kern="1200" dirty="0">
+                        <a:rPr lang="en-US" sz="1800" b="0" i="0" kern="1200" dirty="0">
                           <a:solidFill>
                             <a:schemeClr val="tx1"/>
                           </a:solidFill>
@@ -16196,11 +16173,8 @@
                           <a:ea typeface="+mn-ea"/>
                           <a:cs typeface="+mn-cs"/>
                         </a:rPr>
-                        <a:t>2014159642</a:t>
+                        <a:t>1931527042</a:t>
                       </a:r>
-                    </a:p>
-                    <a:p>
-                      <a:pPr algn="ctr"/>
                       <a:endParaRPr lang="en-US" dirty="0"/>
                     </a:p>
                   </a:txBody>
@@ -17111,8 +17085,8 @@
           </a:p>
         </p:txBody>
       </p:sp>
-      <mc:AlternateContent xmlns:mc="http://schemas.openxmlformats.org/markup-compatibility/2006">
-        <mc:Choice xmlns:a14="http://schemas.microsoft.com/office/drawing/2010/main" Requires="a14">
+      <mc:AlternateContent xmlns:mc="http://schemas.openxmlformats.org/markup-compatibility/2006" xmlns:a14="http://schemas.microsoft.com/office/drawing/2010/main">
+        <mc:Choice Requires="a14">
           <p:sp>
             <p:nvSpPr>
               <p:cNvPr id="3" name="Content Placeholder 2">
@@ -17354,7 +17328,7 @@
             </p:txBody>
           </p:sp>
         </mc:Choice>
-        <mc:Fallback>
+        <mc:Fallback xmlns="">
           <p:sp>
             <p:nvSpPr>
               <p:cNvPr id="3" name="Content Placeholder 2">
